--- a/JS/06. OOP Objects/JS_06.pptx
+++ b/JS/06. OOP Objects/JS_06.pptx
@@ -11,9 +11,10 @@
     <p:sldId id="260" r:id="rId5"/>
     <p:sldId id="261" r:id="rId6"/>
     <p:sldId id="262" r:id="rId7"/>
-    <p:sldId id="263" r:id="rId8"/>
-    <p:sldId id="265" r:id="rId9"/>
-    <p:sldId id="264" r:id="rId10"/>
+    <p:sldId id="266" r:id="rId8"/>
+    <p:sldId id="263" r:id="rId9"/>
+    <p:sldId id="265" r:id="rId10"/>
+    <p:sldId id="264" r:id="rId11"/>
   </p:sldIdLst>
   <p:sldSz cx="12192000" cy="6858000"/>
   <p:notesSz cx="6858000" cy="9144000"/>
@@ -333,7 +334,7 @@
           <a:p>
             <a:fld id="{4DE3B8FE-1D2D-49AE-BFC8-FB35E95B8F74}" type="datetimeFigureOut">
               <a:rPr lang="en-US" smtClean="0"/>
-              <a:t>11/18/2024</a:t>
+              <a:t>11/22/2024</a:t>
             </a:fld>
             <a:endParaRPr lang="en-US"/>
           </a:p>
@@ -624,7 +625,7 @@
           <a:p>
             <a:fld id="{4DE3B8FE-1D2D-49AE-BFC8-FB35E95B8F74}" type="datetimeFigureOut">
               <a:rPr lang="en-US" smtClean="0"/>
-              <a:t>11/18/2024</a:t>
+              <a:t>11/22/2024</a:t>
             </a:fld>
             <a:endParaRPr lang="en-US"/>
           </a:p>
@@ -883,7 +884,7 @@
           <a:p>
             <a:fld id="{4DE3B8FE-1D2D-49AE-BFC8-FB35E95B8F74}" type="datetimeFigureOut">
               <a:rPr lang="en-US" smtClean="0"/>
-              <a:t>11/18/2024</a:t>
+              <a:t>11/22/2024</a:t>
             </a:fld>
             <a:endParaRPr lang="en-US"/>
           </a:p>
@@ -1352,7 +1353,7 @@
           <a:p>
             <a:fld id="{4DE3B8FE-1D2D-49AE-BFC8-FB35E95B8F74}" type="datetimeFigureOut">
               <a:rPr lang="en-US" smtClean="0"/>
-              <a:t>11/18/2024</a:t>
+              <a:t>11/22/2024</a:t>
             </a:fld>
             <a:endParaRPr lang="en-US"/>
           </a:p>
@@ -1532,7 +1533,7 @@
           <a:p>
             <a:fld id="{4DE3B8FE-1D2D-49AE-BFC8-FB35E95B8F74}" type="datetimeFigureOut">
               <a:rPr lang="en-US" smtClean="0"/>
-              <a:t>11/18/2024</a:t>
+              <a:t>11/22/2024</a:t>
             </a:fld>
             <a:endParaRPr lang="en-US"/>
           </a:p>
@@ -2108,7 +2109,7 @@
           <a:p>
             <a:fld id="{4DE3B8FE-1D2D-49AE-BFC8-FB35E95B8F74}" type="datetimeFigureOut">
               <a:rPr lang="en-US" smtClean="0"/>
-              <a:t>11/18/2024</a:t>
+              <a:t>11/22/2024</a:t>
             </a:fld>
             <a:endParaRPr lang="en-US"/>
           </a:p>
@@ -2440,7 +2441,7 @@
           <a:p>
             <a:fld id="{4DE3B8FE-1D2D-49AE-BFC8-FB35E95B8F74}" type="datetimeFigureOut">
               <a:rPr lang="en-US" smtClean="0"/>
-              <a:t>11/18/2024</a:t>
+              <a:t>11/22/2024</a:t>
             </a:fld>
             <a:endParaRPr lang="en-US"/>
           </a:p>
@@ -2615,7 +2616,7 @@
           <a:p>
             <a:fld id="{4DE3B8FE-1D2D-49AE-BFC8-FB35E95B8F74}" type="datetimeFigureOut">
               <a:rPr lang="en-US" smtClean="0"/>
-              <a:t>11/18/2024</a:t>
+              <a:t>11/22/2024</a:t>
             </a:fld>
             <a:endParaRPr lang="en-US"/>
           </a:p>
@@ -2795,7 +2796,7 @@
           <a:p>
             <a:fld id="{4DE3B8FE-1D2D-49AE-BFC8-FB35E95B8F74}" type="datetimeFigureOut">
               <a:rPr lang="en-US" smtClean="0"/>
-              <a:t>11/18/2024</a:t>
+              <a:t>11/22/2024</a:t>
             </a:fld>
             <a:endParaRPr lang="en-US"/>
           </a:p>
@@ -2965,7 +2966,7 @@
           <a:p>
             <a:fld id="{4DE3B8FE-1D2D-49AE-BFC8-FB35E95B8F74}" type="datetimeFigureOut">
               <a:rPr lang="en-US" smtClean="0"/>
-              <a:t>11/18/2024</a:t>
+              <a:t>11/22/2024</a:t>
             </a:fld>
             <a:endParaRPr lang="en-US"/>
           </a:p>
@@ -3222,7 +3223,7 @@
           <a:p>
             <a:fld id="{4DE3B8FE-1D2D-49AE-BFC8-FB35E95B8F74}" type="datetimeFigureOut">
               <a:rPr lang="en-US" smtClean="0"/>
-              <a:t>11/18/2024</a:t>
+              <a:t>11/22/2024</a:t>
             </a:fld>
             <a:endParaRPr lang="en-US"/>
           </a:p>
@@ -3514,7 +3515,7 @@
           <a:p>
             <a:fld id="{4DE3B8FE-1D2D-49AE-BFC8-FB35E95B8F74}" type="datetimeFigureOut">
               <a:rPr lang="en-US" smtClean="0"/>
-              <a:t>11/18/2024</a:t>
+              <a:t>11/22/2024</a:t>
             </a:fld>
             <a:endParaRPr lang="en-US"/>
           </a:p>
@@ -3944,7 +3945,7 @@
           <a:p>
             <a:fld id="{4DE3B8FE-1D2D-49AE-BFC8-FB35E95B8F74}" type="datetimeFigureOut">
               <a:rPr lang="en-US" smtClean="0"/>
-              <a:t>11/18/2024</a:t>
+              <a:t>11/22/2024</a:t>
             </a:fld>
             <a:endParaRPr lang="en-US"/>
           </a:p>
@@ -4062,7 +4063,7 @@
           <a:p>
             <a:fld id="{4DE3B8FE-1D2D-49AE-BFC8-FB35E95B8F74}" type="datetimeFigureOut">
               <a:rPr lang="en-US" smtClean="0"/>
-              <a:t>11/18/2024</a:t>
+              <a:t>11/22/2024</a:t>
             </a:fld>
             <a:endParaRPr lang="en-US"/>
           </a:p>
@@ -4157,7 +4158,7 @@
           <a:p>
             <a:fld id="{4DE3B8FE-1D2D-49AE-BFC8-FB35E95B8F74}" type="datetimeFigureOut">
               <a:rPr lang="en-US" smtClean="0"/>
-              <a:t>11/18/2024</a:t>
+              <a:t>11/22/2024</a:t>
             </a:fld>
             <a:endParaRPr lang="en-US"/>
           </a:p>
@@ -4440,7 +4441,7 @@
           <a:p>
             <a:fld id="{4DE3B8FE-1D2D-49AE-BFC8-FB35E95B8F74}" type="datetimeFigureOut">
               <a:rPr lang="en-US" smtClean="0"/>
-              <a:t>11/18/2024</a:t>
+              <a:t>11/22/2024</a:t>
             </a:fld>
             <a:endParaRPr lang="en-US"/>
           </a:p>
@@ -4731,7 +4732,7 @@
           <a:p>
             <a:fld id="{4DE3B8FE-1D2D-49AE-BFC8-FB35E95B8F74}" type="datetimeFigureOut">
               <a:rPr lang="en-US" smtClean="0"/>
-              <a:t>11/18/2024</a:t>
+              <a:t>11/22/2024</a:t>
             </a:fld>
             <a:endParaRPr lang="en-US"/>
           </a:p>
@@ -4962,7 +4963,7 @@
           <a:p>
             <a:fld id="{4DE3B8FE-1D2D-49AE-BFC8-FB35E95B8F74}" type="datetimeFigureOut">
               <a:rPr lang="en-US" smtClean="0"/>
-              <a:t>11/18/2024</a:t>
+              <a:t>11/22/2024</a:t>
             </a:fld>
             <a:endParaRPr lang="en-US"/>
           </a:p>
@@ -5833,11 +5834,27 @@
             </a:r>
             <a:r>
               <a:rPr lang="en-US" dirty="0"/>
-              <a:t>4</a:t>
+              <a:t>6</a:t>
             </a:r>
             <a:r>
               <a:rPr lang="hy-AM" dirty="0"/>
-              <a:t> Տողային տիպի տվյալներ և մեթհոդներ</a:t>
+              <a:t> </a:t>
+            </a:r>
+            <a:r>
+              <a:rPr lang="en-US" dirty="0"/>
+              <a:t>Js </a:t>
+            </a:r>
+            <a:r>
+              <a:rPr lang="en-US" dirty="0" err="1"/>
+              <a:t>oop</a:t>
+            </a:r>
+            <a:r>
+              <a:rPr lang="en-US" dirty="0"/>
+              <a:t> </a:t>
+            </a:r>
+            <a:r>
+              <a:rPr lang="hy-AM"/>
+              <a:t>եվ օբյեկտներ</a:t>
             </a:r>
             <a:endParaRPr lang="en-US" dirty="0"/>
           </a:p>
@@ -5847,6 +5864,119 @@
     <p:extLst>
       <p:ext uri="{BB962C8B-B14F-4D97-AF65-F5344CB8AC3E}">
         <p14:creationId xmlns:p14="http://schemas.microsoft.com/office/powerpoint/2010/main" val="2466122023"/>
+      </p:ext>
+    </p:extLst>
+  </p:cSld>
+  <p:clrMapOvr>
+    <a:masterClrMapping/>
+  </p:clrMapOvr>
+</p:sld>
+</file>
+
+<file path=ppt/slides/slide10.xml><?xml version="1.0" encoding="utf-8"?>
+<p:sld xmlns:a="http://schemas.openxmlformats.org/drawingml/2006/main" xmlns:r="http://schemas.openxmlformats.org/officeDocument/2006/relationships" xmlns:p="http://schemas.openxmlformats.org/presentationml/2006/main">
+  <p:cSld>
+    <p:spTree>
+      <p:nvGrpSpPr>
+        <p:cNvPr id="1" name=""/>
+        <p:cNvGrpSpPr/>
+        <p:nvPr/>
+      </p:nvGrpSpPr>
+      <p:grpSpPr>
+        <a:xfrm>
+          <a:off x="0" y="0"/>
+          <a:ext cx="0" cy="0"/>
+          <a:chOff x="0" y="0"/>
+          <a:chExt cx="0" cy="0"/>
+        </a:xfrm>
+      </p:grpSpPr>
+      <p:sp>
+        <p:nvSpPr>
+          <p:cNvPr id="2" name="Заголовок 1">
+            <a:extLst>
+              <a:ext uri="{FF2B5EF4-FFF2-40B4-BE49-F238E27FC236}">
+                <a16:creationId xmlns:a16="http://schemas.microsoft.com/office/drawing/2014/main" id="{7D7173E1-5FA3-4794-8B1E-BBDED365BA35}"/>
+              </a:ext>
+            </a:extLst>
+          </p:cNvPr>
+          <p:cNvSpPr>
+            <a:spLocks noGrp="1"/>
+          </p:cNvSpPr>
+          <p:nvPr>
+            <p:ph type="title"/>
+          </p:nvPr>
+        </p:nvSpPr>
+        <p:spPr>
+          <a:xfrm>
+            <a:off x="251734" y="296779"/>
+            <a:ext cx="11688532" cy="608743"/>
+          </a:xfrm>
+        </p:spPr>
+        <p:txBody>
+          <a:bodyPr/>
+          <a:lstStyle/>
+          <a:p>
+            <a:r>
+              <a:rPr lang="en-US" b="1" dirty="0" err="1">
+                <a:solidFill>
+                  <a:schemeClr val="accent4">
+                    <a:lumMod val="75000"/>
+                  </a:schemeClr>
+                </a:solidFill>
+              </a:rPr>
+              <a:t>object.freeze</a:t>
+            </a:r>
+            <a:r>
+              <a:rPr lang="en-US" b="1" dirty="0">
+                <a:solidFill>
+                  <a:schemeClr val="accent4">
+                    <a:lumMod val="75000"/>
+                  </a:schemeClr>
+                </a:solidFill>
+              </a:rPr>
+              <a:t>(obj)</a:t>
+            </a:r>
+          </a:p>
+        </p:txBody>
+      </p:sp>
+      <p:pic>
+        <p:nvPicPr>
+          <p:cNvPr id="6" name="Объект 5">
+            <a:extLst>
+              <a:ext uri="{FF2B5EF4-FFF2-40B4-BE49-F238E27FC236}">
+                <a16:creationId xmlns:a16="http://schemas.microsoft.com/office/drawing/2014/main" id="{186F34E0-554E-4313-A569-5241BFFE185B}"/>
+              </a:ext>
+            </a:extLst>
+          </p:cNvPr>
+          <p:cNvPicPr>
+            <a:picLocks noGrp="1" noChangeAspect="1"/>
+          </p:cNvPicPr>
+          <p:nvPr>
+            <p:ph idx="1"/>
+          </p:nvPr>
+        </p:nvPicPr>
+        <p:blipFill>
+          <a:blip r:embed="rId2">
+            <a:extLst>
+              <a:ext uri="{28A0092B-C50C-407E-A947-70E740481C1C}">
+                <a14:useLocalDpi xmlns:a14="http://schemas.microsoft.com/office/drawing/2010/main" val="0"/>
+              </a:ext>
+            </a:extLst>
+          </a:blip>
+          <a:srcRect/>
+          <a:stretch/>
+        </p:blipFill>
+        <p:spPr>
+          <a:xfrm>
+            <a:off x="251736" y="905522"/>
+            <a:ext cx="11688528" cy="5749491"/>
+          </a:xfrm>
+        </p:spPr>
+      </p:pic>
+    </p:spTree>
+    <p:extLst>
+      <p:ext uri="{BB962C8B-B14F-4D97-AF65-F5344CB8AC3E}">
+        <p14:creationId xmlns:p14="http://schemas.microsoft.com/office/powerpoint/2010/main" val="3362075305"/>
       </p:ext>
     </p:extLst>
   </p:cSld>
@@ -6541,6 +6671,129 @@
                   </a:schemeClr>
                 </a:solidFill>
               </a:rPr>
+              <a:t>.entries</a:t>
+            </a:r>
+            <a:r>
+              <a:rPr lang="en-US" b="1">
+                <a:solidFill>
+                  <a:schemeClr val="accent4">
+                    <a:lumMod val="75000"/>
+                  </a:schemeClr>
+                </a:solidFill>
+              </a:rPr>
+              <a:t>(), .fromEntries</a:t>
+            </a:r>
+            <a:r>
+              <a:rPr lang="en-US" b="1" dirty="0">
+                <a:solidFill>
+                  <a:schemeClr val="accent4">
+                    <a:lumMod val="75000"/>
+                  </a:schemeClr>
+                </a:solidFill>
+              </a:rPr>
+              <a:t>()</a:t>
+            </a:r>
+          </a:p>
+        </p:txBody>
+      </p:sp>
+      <p:pic>
+        <p:nvPicPr>
+          <p:cNvPr id="6" name="Объект 5">
+            <a:extLst>
+              <a:ext uri="{FF2B5EF4-FFF2-40B4-BE49-F238E27FC236}">
+                <a16:creationId xmlns:a16="http://schemas.microsoft.com/office/drawing/2014/main" id="{186F34E0-554E-4313-A569-5241BFFE185B}"/>
+              </a:ext>
+            </a:extLst>
+          </p:cNvPr>
+          <p:cNvPicPr>
+            <a:picLocks noGrp="1" noChangeAspect="1"/>
+          </p:cNvPicPr>
+          <p:nvPr>
+            <p:ph idx="1"/>
+          </p:nvPr>
+        </p:nvPicPr>
+        <p:blipFill>
+          <a:blip r:embed="rId2">
+            <a:extLst>
+              <a:ext uri="{28A0092B-C50C-407E-A947-70E740481C1C}">
+                <a14:useLocalDpi xmlns:a14="http://schemas.microsoft.com/office/drawing/2010/main" val="0"/>
+              </a:ext>
+            </a:extLst>
+          </a:blip>
+          <a:srcRect/>
+          <a:stretch/>
+        </p:blipFill>
+        <p:spPr>
+          <a:xfrm>
+            <a:off x="251737" y="905522"/>
+            <a:ext cx="11688528" cy="5749492"/>
+          </a:xfrm>
+        </p:spPr>
+      </p:pic>
+    </p:spTree>
+    <p:extLst>
+      <p:ext uri="{BB962C8B-B14F-4D97-AF65-F5344CB8AC3E}">
+        <p14:creationId xmlns:p14="http://schemas.microsoft.com/office/powerpoint/2010/main" val="185997777"/>
+      </p:ext>
+    </p:extLst>
+  </p:cSld>
+  <p:clrMapOvr>
+    <a:masterClrMapping/>
+  </p:clrMapOvr>
+</p:sld>
+</file>
+
+<file path=ppt/slides/slide8.xml><?xml version="1.0" encoding="utf-8"?>
+<p:sld xmlns:a="http://schemas.openxmlformats.org/drawingml/2006/main" xmlns:r="http://schemas.openxmlformats.org/officeDocument/2006/relationships" xmlns:p="http://schemas.openxmlformats.org/presentationml/2006/main">
+  <p:cSld>
+    <p:spTree>
+      <p:nvGrpSpPr>
+        <p:cNvPr id="1" name=""/>
+        <p:cNvGrpSpPr/>
+        <p:nvPr/>
+      </p:nvGrpSpPr>
+      <p:grpSpPr>
+        <a:xfrm>
+          <a:off x="0" y="0"/>
+          <a:ext cx="0" cy="0"/>
+          <a:chOff x="0" y="0"/>
+          <a:chExt cx="0" cy="0"/>
+        </a:xfrm>
+      </p:grpSpPr>
+      <p:sp>
+        <p:nvSpPr>
+          <p:cNvPr id="2" name="Заголовок 1">
+            <a:extLst>
+              <a:ext uri="{FF2B5EF4-FFF2-40B4-BE49-F238E27FC236}">
+                <a16:creationId xmlns:a16="http://schemas.microsoft.com/office/drawing/2014/main" id="{7D7173E1-5FA3-4794-8B1E-BBDED365BA35}"/>
+              </a:ext>
+            </a:extLst>
+          </p:cNvPr>
+          <p:cNvSpPr>
+            <a:spLocks noGrp="1"/>
+          </p:cNvSpPr>
+          <p:nvPr>
+            <p:ph type="title"/>
+          </p:nvPr>
+        </p:nvSpPr>
+        <p:spPr>
+          <a:xfrm>
+            <a:off x="251734" y="296779"/>
+            <a:ext cx="11688532" cy="608743"/>
+          </a:xfrm>
+        </p:spPr>
+        <p:txBody>
+          <a:bodyPr/>
+          <a:lstStyle/>
+          <a:p>
+            <a:r>
+              <a:rPr lang="en-US" b="1" dirty="0">
+                <a:solidFill>
+                  <a:schemeClr val="accent4">
+                    <a:lumMod val="75000"/>
+                  </a:schemeClr>
+                </a:solidFill>
+              </a:rPr>
               <a:t>spread </a:t>
             </a:r>
             <a:r>
@@ -6610,7 +6863,7 @@
 </p:sld>
 </file>
 
-<file path=ppt/slides/slide8.xml><?xml version="1.0" encoding="utf-8"?>
+<file path=ppt/slides/slide9.xml><?xml version="1.0" encoding="utf-8"?>
 <p:sld xmlns:a="http://schemas.openxmlformats.org/drawingml/2006/main" xmlns:r="http://schemas.openxmlformats.org/officeDocument/2006/relationships" xmlns:p="http://schemas.openxmlformats.org/presentationml/2006/main">
   <p:cSld>
     <p:spTree>
@@ -6714,119 +6967,6 @@
     <p:extLst>
       <p:ext uri="{BB962C8B-B14F-4D97-AF65-F5344CB8AC3E}">
         <p14:creationId xmlns:p14="http://schemas.microsoft.com/office/powerpoint/2010/main" val="3417682905"/>
-      </p:ext>
-    </p:extLst>
-  </p:cSld>
-  <p:clrMapOvr>
-    <a:masterClrMapping/>
-  </p:clrMapOvr>
-</p:sld>
-</file>
-
-<file path=ppt/slides/slide9.xml><?xml version="1.0" encoding="utf-8"?>
-<p:sld xmlns:a="http://schemas.openxmlformats.org/drawingml/2006/main" xmlns:r="http://schemas.openxmlformats.org/officeDocument/2006/relationships" xmlns:p="http://schemas.openxmlformats.org/presentationml/2006/main">
-  <p:cSld>
-    <p:spTree>
-      <p:nvGrpSpPr>
-        <p:cNvPr id="1" name=""/>
-        <p:cNvGrpSpPr/>
-        <p:nvPr/>
-      </p:nvGrpSpPr>
-      <p:grpSpPr>
-        <a:xfrm>
-          <a:off x="0" y="0"/>
-          <a:ext cx="0" cy="0"/>
-          <a:chOff x="0" y="0"/>
-          <a:chExt cx="0" cy="0"/>
-        </a:xfrm>
-      </p:grpSpPr>
-      <p:sp>
-        <p:nvSpPr>
-          <p:cNvPr id="2" name="Заголовок 1">
-            <a:extLst>
-              <a:ext uri="{FF2B5EF4-FFF2-40B4-BE49-F238E27FC236}">
-                <a16:creationId xmlns:a16="http://schemas.microsoft.com/office/drawing/2014/main" id="{7D7173E1-5FA3-4794-8B1E-BBDED365BA35}"/>
-              </a:ext>
-            </a:extLst>
-          </p:cNvPr>
-          <p:cNvSpPr>
-            <a:spLocks noGrp="1"/>
-          </p:cNvSpPr>
-          <p:nvPr>
-            <p:ph type="title"/>
-          </p:nvPr>
-        </p:nvSpPr>
-        <p:spPr>
-          <a:xfrm>
-            <a:off x="251734" y="296779"/>
-            <a:ext cx="11688532" cy="608743"/>
-          </a:xfrm>
-        </p:spPr>
-        <p:txBody>
-          <a:bodyPr/>
-          <a:lstStyle/>
-          <a:p>
-            <a:r>
-              <a:rPr lang="en-US" b="1" dirty="0" err="1">
-                <a:solidFill>
-                  <a:schemeClr val="accent4">
-                    <a:lumMod val="75000"/>
-                  </a:schemeClr>
-                </a:solidFill>
-              </a:rPr>
-              <a:t>object.freeze</a:t>
-            </a:r>
-            <a:r>
-              <a:rPr lang="en-US" b="1" dirty="0">
-                <a:solidFill>
-                  <a:schemeClr val="accent4">
-                    <a:lumMod val="75000"/>
-                  </a:schemeClr>
-                </a:solidFill>
-              </a:rPr>
-              <a:t>(obj)</a:t>
-            </a:r>
-          </a:p>
-        </p:txBody>
-      </p:sp>
-      <p:pic>
-        <p:nvPicPr>
-          <p:cNvPr id="6" name="Объект 5">
-            <a:extLst>
-              <a:ext uri="{FF2B5EF4-FFF2-40B4-BE49-F238E27FC236}">
-                <a16:creationId xmlns:a16="http://schemas.microsoft.com/office/drawing/2014/main" id="{186F34E0-554E-4313-A569-5241BFFE185B}"/>
-              </a:ext>
-            </a:extLst>
-          </p:cNvPr>
-          <p:cNvPicPr>
-            <a:picLocks noGrp="1" noChangeAspect="1"/>
-          </p:cNvPicPr>
-          <p:nvPr>
-            <p:ph idx="1"/>
-          </p:nvPr>
-        </p:nvPicPr>
-        <p:blipFill>
-          <a:blip r:embed="rId2">
-            <a:extLst>
-              <a:ext uri="{28A0092B-C50C-407E-A947-70E740481C1C}">
-                <a14:useLocalDpi xmlns:a14="http://schemas.microsoft.com/office/drawing/2010/main" val="0"/>
-              </a:ext>
-            </a:extLst>
-          </a:blip>
-          <a:srcRect/>
-          <a:stretch/>
-        </p:blipFill>
-        <p:spPr>
-          <a:xfrm>
-            <a:off x="251736" y="905522"/>
-            <a:ext cx="11688528" cy="5749491"/>
-          </a:xfrm>
-        </p:spPr>
-      </p:pic>
-    </p:spTree>
-    <p:extLst>
-      <p:ext uri="{BB962C8B-B14F-4D97-AF65-F5344CB8AC3E}">
-        <p14:creationId xmlns:p14="http://schemas.microsoft.com/office/powerpoint/2010/main" val="3362075305"/>
       </p:ext>
     </p:extLst>
   </p:cSld>
